--- a/Day 4/Slides/1. Course Overview-Exceptions/course-overview-exceptions-slides.pptx
+++ b/Day 4/Slides/1. Course Overview-Exceptions/course-overview-exceptions-slides.pptx
@@ -5,15 +5,15 @@
     <p:sldMasterId id="2147483648" r:id="rId1"/>
   </p:sldMasterIdLst>
   <p:notesMasterIdLst>
-    <p:notesMasterId r:id="rId9"/>
+    <p:notesMasterId r:id="rId8"/>
   </p:notesMasterIdLst>
   <p:sldIdLst>
-    <p:sldId id="257" r:id="rId3"/>
-    <p:sldId id="256" r:id="rId4"/>
-    <p:sldId id="258" r:id="rId5"/>
-    <p:sldId id="259" r:id="rId6"/>
-    <p:sldId id="260" r:id="rId7"/>
-    <p:sldId id="261" r:id="rId8"/>
+    <p:sldId id="257" r:id="rId2"/>
+    <p:sldId id="256" r:id="rId3"/>
+    <p:sldId id="258" r:id="rId4"/>
+    <p:sldId id="259" r:id="rId5"/>
+    <p:sldId id="260" r:id="rId6"/>
+    <p:sldId id="261" r:id="rId7"/>
   </p:sldIdLst>
   <p:sldSz cx="12192000" cy="6858000"/>
   <p:notesSz cx="6858000" cy="9144000"/>
@@ -112,6 +112,11 @@
       </a:defRPr>
     </a:lvl9pPr>
   </p:defaultTextStyle>
+  <p:extLst>
+    <p:ext uri="{EFAFB233-063F-42B5-8137-9DF3F51BA10A}">
+      <p15:sldGuideLst xmlns:p15="http://schemas.microsoft.com/office/powerpoint/2012/main"/>
+    </p:ext>
+  </p:extLst>
 </p:presentation>
 </file>
 
@@ -197,6 +202,7 @@
           <a:p>
             <a:fld id="{3EFD42F7-718C-4B98-AAEC-167E6DDD60A7}" type="datetimeFigureOut">
               <a:rPr lang="en-US" smtClean="0"/>
+              <a:t>6/26/2024</a:t>
             </a:fld>
             <a:endParaRPr lang="en-US"/>
           </a:p>
@@ -260,42 +266,37 @@
           <a:p>
             <a:pPr lvl="0"/>
             <a:r>
-              <a:rPr lang="en-US" smtClean="0"/>
+              <a:rPr lang="en-US"/>
               <a:t>Click to edit Master text styles</a:t>
             </a:r>
-            <a:endParaRPr lang="en-US" smtClean="0"/>
           </a:p>
           <a:p>
             <a:pPr lvl="1"/>
             <a:r>
-              <a:rPr lang="en-US" smtClean="0"/>
+              <a:rPr lang="en-US"/>
               <a:t>Second level</a:t>
             </a:r>
-            <a:endParaRPr lang="en-US" smtClean="0"/>
           </a:p>
           <a:p>
             <a:pPr lvl="2"/>
             <a:r>
-              <a:rPr lang="en-US" smtClean="0"/>
+              <a:rPr lang="en-US"/>
               <a:t>Third level</a:t>
             </a:r>
-            <a:endParaRPr lang="en-US" smtClean="0"/>
           </a:p>
           <a:p>
             <a:pPr lvl="3"/>
             <a:r>
-              <a:rPr lang="en-US" smtClean="0"/>
+              <a:rPr lang="en-US"/>
               <a:t>Fourth level</a:t>
             </a:r>
-            <a:endParaRPr lang="en-US" smtClean="0"/>
           </a:p>
           <a:p>
             <a:pPr lvl="4"/>
             <a:r>
-              <a:rPr lang="en-US" smtClean="0"/>
+              <a:rPr lang="en-US"/>
               <a:t>Fifth level</a:t>
             </a:r>
-            <a:endParaRPr lang="en-US"/>
           </a:p>
         </p:txBody>
       </p:sp>
@@ -359,6 +360,7 @@
           <a:p>
             <a:fld id="{21B2AA4F-B828-4D7C-AFD3-893933DAFCB4}" type="slidenum">
               <a:rPr lang="en-US" smtClean="0"/>
+              <a:t>‹#›</a:t>
             </a:fld>
             <a:endParaRPr lang="en-US"/>
           </a:p>
@@ -504,10 +506,9 @@
           </a:lstStyle>
           <a:p>
             <a:r>
-              <a:rPr lang="en-US" smtClean="0"/>
+              <a:rPr lang="en-US"/>
               <a:t>Click to edit Master title style</a:t>
             </a:r>
-            <a:endParaRPr lang="en-US"/>
           </a:p>
         </p:txBody>
       </p:sp>
@@ -569,10 +570,9 @@
           </a:lstStyle>
           <a:p>
             <a:r>
-              <a:rPr lang="en-US" smtClean="0"/>
+              <a:rPr lang="en-US"/>
               <a:t>Click to edit Master subtitle style</a:t>
             </a:r>
-            <a:endParaRPr lang="en-US"/>
           </a:p>
         </p:txBody>
       </p:sp>
@@ -593,6 +593,7 @@
           <a:p>
             <a:fld id="{63A1C593-65D0-4073-BCC9-577B9352EA97}" type="datetimeFigureOut">
               <a:rPr lang="en-US" smtClean="0"/>
+              <a:t>6/26/2024</a:t>
             </a:fld>
             <a:endParaRPr lang="en-US"/>
           </a:p>
@@ -634,6 +635,7 @@
           <a:p>
             <a:fld id="{9B618960-8005-486C-9A75-10CB2AAC16F9}" type="slidenum">
               <a:rPr lang="en-US" smtClean="0"/>
+              <a:t>‹#›</a:t>
             </a:fld>
             <a:endParaRPr lang="en-US"/>
           </a:p>
@@ -681,10 +683,9 @@
           <a:lstStyle/>
           <a:p>
             <a:r>
-              <a:rPr lang="en-US" smtClean="0"/>
+              <a:rPr lang="en-US"/>
               <a:t>Click to edit Master title style</a:t>
             </a:r>
-            <a:endParaRPr lang="en-US"/>
           </a:p>
         </p:txBody>
       </p:sp>
@@ -705,42 +706,37 @@
           <a:p>
             <a:pPr lvl="0"/>
             <a:r>
-              <a:rPr lang="en-US" smtClean="0"/>
+              <a:rPr lang="en-US"/>
               <a:t>Click to edit Master text styles</a:t>
             </a:r>
-            <a:endParaRPr lang="en-US" smtClean="0"/>
           </a:p>
           <a:p>
             <a:pPr lvl="1"/>
             <a:r>
-              <a:rPr lang="en-US" smtClean="0"/>
+              <a:rPr lang="en-US"/>
               <a:t>Second level</a:t>
             </a:r>
-            <a:endParaRPr lang="en-US" smtClean="0"/>
           </a:p>
           <a:p>
             <a:pPr lvl="2"/>
             <a:r>
-              <a:rPr lang="en-US" smtClean="0"/>
+              <a:rPr lang="en-US"/>
               <a:t>Third level</a:t>
             </a:r>
-            <a:endParaRPr lang="en-US" smtClean="0"/>
           </a:p>
           <a:p>
             <a:pPr lvl="3"/>
             <a:r>
-              <a:rPr lang="en-US" smtClean="0"/>
+              <a:rPr lang="en-US"/>
               <a:t>Fourth level</a:t>
             </a:r>
-            <a:endParaRPr lang="en-US" smtClean="0"/>
           </a:p>
           <a:p>
             <a:pPr lvl="4"/>
             <a:r>
-              <a:rPr lang="en-US" smtClean="0"/>
+              <a:rPr lang="en-US"/>
               <a:t>Fifth level</a:t>
             </a:r>
-            <a:endParaRPr lang="en-US"/>
           </a:p>
         </p:txBody>
       </p:sp>
@@ -761,6 +757,7 @@
           <a:p>
             <a:fld id="{63A1C593-65D0-4073-BCC9-577B9352EA97}" type="datetimeFigureOut">
               <a:rPr lang="en-US" smtClean="0"/>
+              <a:t>6/26/2024</a:t>
             </a:fld>
             <a:endParaRPr lang="en-US"/>
           </a:p>
@@ -802,6 +799,7 @@
           <a:p>
             <a:fld id="{9B618960-8005-486C-9A75-10CB2AAC16F9}" type="slidenum">
               <a:rPr lang="en-US" smtClean="0"/>
+              <a:t>‹#›</a:t>
             </a:fld>
             <a:endParaRPr lang="en-US"/>
           </a:p>
@@ -854,10 +852,9 @@
           <a:lstStyle/>
           <a:p>
             <a:r>
-              <a:rPr lang="en-US" smtClean="0"/>
+              <a:rPr lang="en-US"/>
               <a:t>Click to edit Master title style</a:t>
             </a:r>
-            <a:endParaRPr lang="en-US"/>
           </a:p>
         </p:txBody>
       </p:sp>
@@ -883,42 +880,37 @@
           <a:p>
             <a:pPr lvl="0"/>
             <a:r>
-              <a:rPr lang="en-US" smtClean="0"/>
+              <a:rPr lang="en-US"/>
               <a:t>Click to edit Master text styles</a:t>
             </a:r>
-            <a:endParaRPr lang="en-US" smtClean="0"/>
           </a:p>
           <a:p>
             <a:pPr lvl="1"/>
             <a:r>
-              <a:rPr lang="en-US" smtClean="0"/>
+              <a:rPr lang="en-US"/>
               <a:t>Second level</a:t>
             </a:r>
-            <a:endParaRPr lang="en-US" smtClean="0"/>
           </a:p>
           <a:p>
             <a:pPr lvl="2"/>
             <a:r>
-              <a:rPr lang="en-US" smtClean="0"/>
+              <a:rPr lang="en-US"/>
               <a:t>Third level</a:t>
             </a:r>
-            <a:endParaRPr lang="en-US" smtClean="0"/>
           </a:p>
           <a:p>
             <a:pPr lvl="3"/>
             <a:r>
-              <a:rPr lang="en-US" smtClean="0"/>
+              <a:rPr lang="en-US"/>
               <a:t>Fourth level</a:t>
             </a:r>
-            <a:endParaRPr lang="en-US" smtClean="0"/>
           </a:p>
           <a:p>
             <a:pPr lvl="4"/>
             <a:r>
-              <a:rPr lang="en-US" smtClean="0"/>
+              <a:rPr lang="en-US"/>
               <a:t>Fifth level</a:t>
             </a:r>
-            <a:endParaRPr lang="en-US"/>
           </a:p>
         </p:txBody>
       </p:sp>
@@ -939,6 +931,7 @@
           <a:p>
             <a:fld id="{63A1C593-65D0-4073-BCC9-577B9352EA97}" type="datetimeFigureOut">
               <a:rPr lang="en-US" smtClean="0"/>
+              <a:t>6/26/2024</a:t>
             </a:fld>
             <a:endParaRPr lang="en-US"/>
           </a:p>
@@ -980,6 +973,7 @@
           <a:p>
             <a:fld id="{9B618960-8005-486C-9A75-10CB2AAC16F9}" type="slidenum">
               <a:rPr lang="en-US" smtClean="0"/>
+              <a:t>‹#›</a:t>
             </a:fld>
             <a:endParaRPr lang="en-US"/>
           </a:p>
@@ -1027,10 +1021,9 @@
           <a:lstStyle/>
           <a:p>
             <a:r>
-              <a:rPr lang="en-US" smtClean="0"/>
+              <a:rPr lang="en-US"/>
               <a:t>Click to edit Master title style</a:t>
             </a:r>
-            <a:endParaRPr lang="en-US"/>
           </a:p>
         </p:txBody>
       </p:sp>
@@ -1051,42 +1044,37 @@
           <a:p>
             <a:pPr lvl="0"/>
             <a:r>
-              <a:rPr lang="en-US" smtClean="0"/>
+              <a:rPr lang="en-US"/>
               <a:t>Click to edit Master text styles</a:t>
             </a:r>
-            <a:endParaRPr lang="en-US" smtClean="0"/>
           </a:p>
           <a:p>
             <a:pPr lvl="1"/>
             <a:r>
-              <a:rPr lang="en-US" smtClean="0"/>
+              <a:rPr lang="en-US"/>
               <a:t>Second level</a:t>
             </a:r>
-            <a:endParaRPr lang="en-US" smtClean="0"/>
           </a:p>
           <a:p>
             <a:pPr lvl="2"/>
             <a:r>
-              <a:rPr lang="en-US" smtClean="0"/>
+              <a:rPr lang="en-US"/>
               <a:t>Third level</a:t>
             </a:r>
-            <a:endParaRPr lang="en-US" smtClean="0"/>
           </a:p>
           <a:p>
             <a:pPr lvl="3"/>
             <a:r>
-              <a:rPr lang="en-US" smtClean="0"/>
+              <a:rPr lang="en-US"/>
               <a:t>Fourth level</a:t>
             </a:r>
-            <a:endParaRPr lang="en-US" smtClean="0"/>
           </a:p>
           <a:p>
             <a:pPr lvl="4"/>
             <a:r>
-              <a:rPr lang="en-US" smtClean="0"/>
+              <a:rPr lang="en-US"/>
               <a:t>Fifth level</a:t>
             </a:r>
-            <a:endParaRPr lang="en-US"/>
           </a:p>
         </p:txBody>
       </p:sp>
@@ -1107,6 +1095,7 @@
           <a:p>
             <a:fld id="{63A1C593-65D0-4073-BCC9-577B9352EA97}" type="datetimeFigureOut">
               <a:rPr lang="en-US" smtClean="0"/>
+              <a:t>6/26/2024</a:t>
             </a:fld>
             <a:endParaRPr lang="en-US"/>
           </a:p>
@@ -1148,6 +1137,7 @@
           <a:p>
             <a:fld id="{9B618960-8005-486C-9A75-10CB2AAC16F9}" type="slidenum">
               <a:rPr lang="en-US" smtClean="0"/>
+              <a:t>‹#›</a:t>
             </a:fld>
             <a:endParaRPr lang="en-US"/>
           </a:p>
@@ -1204,10 +1194,9 @@
           </a:lstStyle>
           <a:p>
             <a:r>
-              <a:rPr lang="en-US" smtClean="0"/>
+              <a:rPr lang="en-US"/>
               <a:t>Click to edit Master title style</a:t>
             </a:r>
-            <a:endParaRPr lang="en-US"/>
           </a:p>
         </p:txBody>
       </p:sp>
@@ -1324,10 +1313,9 @@
           <a:p>
             <a:pPr lvl="0"/>
             <a:r>
-              <a:rPr lang="en-US" smtClean="0"/>
+              <a:rPr lang="en-US"/>
               <a:t>Click to edit Master text styles</a:t>
             </a:r>
-            <a:endParaRPr lang="en-US" smtClean="0"/>
           </a:p>
         </p:txBody>
       </p:sp>
@@ -1348,6 +1336,7 @@
           <a:p>
             <a:fld id="{63A1C593-65D0-4073-BCC9-577B9352EA97}" type="datetimeFigureOut">
               <a:rPr lang="en-US" smtClean="0"/>
+              <a:t>6/26/2024</a:t>
             </a:fld>
             <a:endParaRPr lang="en-US"/>
           </a:p>
@@ -1389,6 +1378,7 @@
           <a:p>
             <a:fld id="{9B618960-8005-486C-9A75-10CB2AAC16F9}" type="slidenum">
               <a:rPr lang="en-US" smtClean="0"/>
+              <a:t>‹#›</a:t>
             </a:fld>
             <a:endParaRPr lang="en-US"/>
           </a:p>
@@ -1436,10 +1426,9 @@
           <a:lstStyle/>
           <a:p>
             <a:r>
-              <a:rPr lang="en-US" smtClean="0"/>
+              <a:rPr lang="en-US"/>
               <a:t>Click to edit Master title style</a:t>
             </a:r>
-            <a:endParaRPr lang="en-US"/>
           </a:p>
         </p:txBody>
       </p:sp>
@@ -1465,42 +1454,37 @@
           <a:p>
             <a:pPr lvl="0"/>
             <a:r>
-              <a:rPr lang="en-US" smtClean="0"/>
+              <a:rPr lang="en-US"/>
               <a:t>Click to edit Master text styles</a:t>
             </a:r>
-            <a:endParaRPr lang="en-US" smtClean="0"/>
           </a:p>
           <a:p>
             <a:pPr lvl="1"/>
             <a:r>
-              <a:rPr lang="en-US" smtClean="0"/>
+              <a:rPr lang="en-US"/>
               <a:t>Second level</a:t>
             </a:r>
-            <a:endParaRPr lang="en-US" smtClean="0"/>
           </a:p>
           <a:p>
             <a:pPr lvl="2"/>
             <a:r>
-              <a:rPr lang="en-US" smtClean="0"/>
+              <a:rPr lang="en-US"/>
               <a:t>Third level</a:t>
             </a:r>
-            <a:endParaRPr lang="en-US" smtClean="0"/>
           </a:p>
           <a:p>
             <a:pPr lvl="3"/>
             <a:r>
-              <a:rPr lang="en-US" smtClean="0"/>
+              <a:rPr lang="en-US"/>
               <a:t>Fourth level</a:t>
             </a:r>
-            <a:endParaRPr lang="en-US" smtClean="0"/>
           </a:p>
           <a:p>
             <a:pPr lvl="4"/>
             <a:r>
-              <a:rPr lang="en-US" smtClean="0"/>
+              <a:rPr lang="en-US"/>
               <a:t>Fifth level</a:t>
             </a:r>
-            <a:endParaRPr lang="en-US"/>
           </a:p>
         </p:txBody>
       </p:sp>
@@ -1526,42 +1510,37 @@
           <a:p>
             <a:pPr lvl="0"/>
             <a:r>
-              <a:rPr lang="en-US" smtClean="0"/>
+              <a:rPr lang="en-US"/>
               <a:t>Click to edit Master text styles</a:t>
             </a:r>
-            <a:endParaRPr lang="en-US" smtClean="0"/>
           </a:p>
           <a:p>
             <a:pPr lvl="1"/>
             <a:r>
-              <a:rPr lang="en-US" smtClean="0"/>
+              <a:rPr lang="en-US"/>
               <a:t>Second level</a:t>
             </a:r>
-            <a:endParaRPr lang="en-US" smtClean="0"/>
           </a:p>
           <a:p>
             <a:pPr lvl="2"/>
             <a:r>
-              <a:rPr lang="en-US" smtClean="0"/>
+              <a:rPr lang="en-US"/>
               <a:t>Third level</a:t>
             </a:r>
-            <a:endParaRPr lang="en-US" smtClean="0"/>
           </a:p>
           <a:p>
             <a:pPr lvl="3"/>
             <a:r>
-              <a:rPr lang="en-US" smtClean="0"/>
+              <a:rPr lang="en-US"/>
               <a:t>Fourth level</a:t>
             </a:r>
-            <a:endParaRPr lang="en-US" smtClean="0"/>
           </a:p>
           <a:p>
             <a:pPr lvl="4"/>
             <a:r>
-              <a:rPr lang="en-US" smtClean="0"/>
+              <a:rPr lang="en-US"/>
               <a:t>Fifth level</a:t>
             </a:r>
-            <a:endParaRPr lang="en-US"/>
           </a:p>
         </p:txBody>
       </p:sp>
@@ -1582,6 +1561,7 @@
           <a:p>
             <a:fld id="{63A1C593-65D0-4073-BCC9-577B9352EA97}" type="datetimeFigureOut">
               <a:rPr lang="en-US" smtClean="0"/>
+              <a:t>6/26/2024</a:t>
             </a:fld>
             <a:endParaRPr lang="en-US"/>
           </a:p>
@@ -1623,6 +1603,7 @@
           <a:p>
             <a:fld id="{9B618960-8005-486C-9A75-10CB2AAC16F9}" type="slidenum">
               <a:rPr lang="en-US" smtClean="0"/>
+              <a:t>‹#›</a:t>
             </a:fld>
             <a:endParaRPr lang="en-US"/>
           </a:p>
@@ -1675,10 +1656,9 @@
           <a:lstStyle/>
           <a:p>
             <a:r>
-              <a:rPr lang="en-US" smtClean="0"/>
+              <a:rPr lang="en-US"/>
               <a:t>Click to edit Master title style</a:t>
             </a:r>
-            <a:endParaRPr lang="en-US"/>
           </a:p>
         </p:txBody>
       </p:sp>
@@ -1741,10 +1721,9 @@
           <a:p>
             <a:pPr lvl="0"/>
             <a:r>
-              <a:rPr lang="en-US" smtClean="0"/>
+              <a:rPr lang="en-US"/>
               <a:t>Click to edit Master text styles</a:t>
             </a:r>
-            <a:endParaRPr lang="en-US" smtClean="0"/>
           </a:p>
         </p:txBody>
       </p:sp>
@@ -1770,42 +1749,37 @@
           <a:p>
             <a:pPr lvl="0"/>
             <a:r>
-              <a:rPr lang="en-US" smtClean="0"/>
+              <a:rPr lang="en-US"/>
               <a:t>Click to edit Master text styles</a:t>
             </a:r>
-            <a:endParaRPr lang="en-US" smtClean="0"/>
           </a:p>
           <a:p>
             <a:pPr lvl="1"/>
             <a:r>
-              <a:rPr lang="en-US" smtClean="0"/>
+              <a:rPr lang="en-US"/>
               <a:t>Second level</a:t>
             </a:r>
-            <a:endParaRPr lang="en-US" smtClean="0"/>
           </a:p>
           <a:p>
             <a:pPr lvl="2"/>
             <a:r>
-              <a:rPr lang="en-US" smtClean="0"/>
+              <a:rPr lang="en-US"/>
               <a:t>Third level</a:t>
             </a:r>
-            <a:endParaRPr lang="en-US" smtClean="0"/>
           </a:p>
           <a:p>
             <a:pPr lvl="3"/>
             <a:r>
-              <a:rPr lang="en-US" smtClean="0"/>
+              <a:rPr lang="en-US"/>
               <a:t>Fourth level</a:t>
             </a:r>
-            <a:endParaRPr lang="en-US" smtClean="0"/>
           </a:p>
           <a:p>
             <a:pPr lvl="4"/>
             <a:r>
-              <a:rPr lang="en-US" smtClean="0"/>
+              <a:rPr lang="en-US"/>
               <a:t>Fifth level</a:t>
             </a:r>
-            <a:endParaRPr lang="en-US"/>
           </a:p>
         </p:txBody>
       </p:sp>
@@ -1868,10 +1842,9 @@
           <a:p>
             <a:pPr lvl="0"/>
             <a:r>
-              <a:rPr lang="en-US" smtClean="0"/>
+              <a:rPr lang="en-US"/>
               <a:t>Click to edit Master text styles</a:t>
             </a:r>
-            <a:endParaRPr lang="en-US" smtClean="0"/>
           </a:p>
         </p:txBody>
       </p:sp>
@@ -1897,42 +1870,37 @@
           <a:p>
             <a:pPr lvl="0"/>
             <a:r>
-              <a:rPr lang="en-US" smtClean="0"/>
+              <a:rPr lang="en-US"/>
               <a:t>Click to edit Master text styles</a:t>
             </a:r>
-            <a:endParaRPr lang="en-US" smtClean="0"/>
           </a:p>
           <a:p>
             <a:pPr lvl="1"/>
             <a:r>
-              <a:rPr lang="en-US" smtClean="0"/>
+              <a:rPr lang="en-US"/>
               <a:t>Second level</a:t>
             </a:r>
-            <a:endParaRPr lang="en-US" smtClean="0"/>
           </a:p>
           <a:p>
             <a:pPr lvl="2"/>
             <a:r>
-              <a:rPr lang="en-US" smtClean="0"/>
+              <a:rPr lang="en-US"/>
               <a:t>Third level</a:t>
             </a:r>
-            <a:endParaRPr lang="en-US" smtClean="0"/>
           </a:p>
           <a:p>
             <a:pPr lvl="3"/>
             <a:r>
-              <a:rPr lang="en-US" smtClean="0"/>
+              <a:rPr lang="en-US"/>
               <a:t>Fourth level</a:t>
             </a:r>
-            <a:endParaRPr lang="en-US" smtClean="0"/>
           </a:p>
           <a:p>
             <a:pPr lvl="4"/>
             <a:r>
-              <a:rPr lang="en-US" smtClean="0"/>
+              <a:rPr lang="en-US"/>
               <a:t>Fifth level</a:t>
             </a:r>
-            <a:endParaRPr lang="en-US"/>
           </a:p>
         </p:txBody>
       </p:sp>
@@ -1953,6 +1921,7 @@
           <a:p>
             <a:fld id="{63A1C593-65D0-4073-BCC9-577B9352EA97}" type="datetimeFigureOut">
               <a:rPr lang="en-US" smtClean="0"/>
+              <a:t>6/26/2024</a:t>
             </a:fld>
             <a:endParaRPr lang="en-US"/>
           </a:p>
@@ -1994,6 +1963,7 @@
           <a:p>
             <a:fld id="{9B618960-8005-486C-9A75-10CB2AAC16F9}" type="slidenum">
               <a:rPr lang="en-US" smtClean="0"/>
+              <a:t>‹#›</a:t>
             </a:fld>
             <a:endParaRPr lang="en-US"/>
           </a:p>
@@ -2041,10 +2011,9 @@
           <a:lstStyle/>
           <a:p>
             <a:r>
-              <a:rPr lang="en-US" smtClean="0"/>
+              <a:rPr lang="en-US"/>
               <a:t>Click to edit Master title style</a:t>
             </a:r>
-            <a:endParaRPr lang="en-US"/>
           </a:p>
         </p:txBody>
       </p:sp>
@@ -2065,6 +2034,7 @@
           <a:p>
             <a:fld id="{63A1C593-65D0-4073-BCC9-577B9352EA97}" type="datetimeFigureOut">
               <a:rPr lang="en-US" smtClean="0"/>
+              <a:t>6/26/2024</a:t>
             </a:fld>
             <a:endParaRPr lang="en-US"/>
           </a:p>
@@ -2106,6 +2076,7 @@
           <a:p>
             <a:fld id="{9B618960-8005-486C-9A75-10CB2AAC16F9}" type="slidenum">
               <a:rPr lang="en-US" smtClean="0"/>
+              <a:t>‹#›</a:t>
             </a:fld>
             <a:endParaRPr lang="en-US"/>
           </a:p>
@@ -2154,6 +2125,7 @@
           <a:p>
             <a:fld id="{63A1C593-65D0-4073-BCC9-577B9352EA97}" type="datetimeFigureOut">
               <a:rPr lang="en-US" smtClean="0"/>
+              <a:t>6/26/2024</a:t>
             </a:fld>
             <a:endParaRPr lang="en-US"/>
           </a:p>
@@ -2195,6 +2167,7 @@
           <a:p>
             <a:fld id="{9B618960-8005-486C-9A75-10CB2AAC16F9}" type="slidenum">
               <a:rPr lang="en-US" smtClean="0"/>
+              <a:t>‹#›</a:t>
             </a:fld>
             <a:endParaRPr lang="en-US"/>
           </a:p>
@@ -2251,10 +2224,9 @@
           </a:lstStyle>
           <a:p>
             <a:r>
-              <a:rPr lang="en-US" smtClean="0"/>
+              <a:rPr lang="en-US"/>
               <a:t>Click to edit Master title style</a:t>
             </a:r>
-            <a:endParaRPr lang="en-US"/>
           </a:p>
         </p:txBody>
       </p:sp>
@@ -2308,42 +2280,37 @@
           <a:p>
             <a:pPr lvl="0"/>
             <a:r>
-              <a:rPr lang="en-US" smtClean="0"/>
+              <a:rPr lang="en-US"/>
               <a:t>Click to edit Master text styles</a:t>
             </a:r>
-            <a:endParaRPr lang="en-US" smtClean="0"/>
           </a:p>
           <a:p>
             <a:pPr lvl="1"/>
             <a:r>
-              <a:rPr lang="en-US" smtClean="0"/>
+              <a:rPr lang="en-US"/>
               <a:t>Second level</a:t>
             </a:r>
-            <a:endParaRPr lang="en-US" smtClean="0"/>
           </a:p>
           <a:p>
             <a:pPr lvl="2"/>
             <a:r>
-              <a:rPr lang="en-US" smtClean="0"/>
+              <a:rPr lang="en-US"/>
               <a:t>Third level</a:t>
             </a:r>
-            <a:endParaRPr lang="en-US" smtClean="0"/>
           </a:p>
           <a:p>
             <a:pPr lvl="3"/>
             <a:r>
-              <a:rPr lang="en-US" smtClean="0"/>
+              <a:rPr lang="en-US"/>
               <a:t>Fourth level</a:t>
             </a:r>
-            <a:endParaRPr lang="en-US" smtClean="0"/>
           </a:p>
           <a:p>
             <a:pPr lvl="4"/>
             <a:r>
-              <a:rPr lang="en-US" smtClean="0"/>
+              <a:rPr lang="en-US"/>
               <a:t>Fifth level</a:t>
             </a:r>
-            <a:endParaRPr lang="en-US"/>
           </a:p>
         </p:txBody>
       </p:sp>
@@ -2406,10 +2373,9 @@
           <a:p>
             <a:pPr lvl="0"/>
             <a:r>
-              <a:rPr lang="en-US" smtClean="0"/>
+              <a:rPr lang="en-US"/>
               <a:t>Click to edit Master text styles</a:t>
             </a:r>
-            <a:endParaRPr lang="en-US" smtClean="0"/>
           </a:p>
         </p:txBody>
       </p:sp>
@@ -2430,6 +2396,7 @@
           <a:p>
             <a:fld id="{63A1C593-65D0-4073-BCC9-577B9352EA97}" type="datetimeFigureOut">
               <a:rPr lang="en-US" smtClean="0"/>
+              <a:t>6/26/2024</a:t>
             </a:fld>
             <a:endParaRPr lang="en-US"/>
           </a:p>
@@ -2471,6 +2438,7 @@
           <a:p>
             <a:fld id="{9B618960-8005-486C-9A75-10CB2AAC16F9}" type="slidenum">
               <a:rPr lang="en-US" smtClean="0"/>
+              <a:t>‹#›</a:t>
             </a:fld>
             <a:endParaRPr lang="en-US"/>
           </a:p>
@@ -2527,10 +2495,9 @@
           </a:lstStyle>
           <a:p>
             <a:r>
-              <a:rPr lang="en-US" smtClean="0"/>
+              <a:rPr lang="en-US"/>
               <a:t>Click to edit Master title style</a:t>
             </a:r>
-            <a:endParaRPr lang="en-US"/>
           </a:p>
         </p:txBody>
       </p:sp>
@@ -2654,10 +2621,9 @@
           <a:p>
             <a:pPr lvl="0"/>
             <a:r>
-              <a:rPr lang="en-US" smtClean="0"/>
+              <a:rPr lang="en-US"/>
               <a:t>Click to edit Master text styles</a:t>
             </a:r>
-            <a:endParaRPr lang="en-US" smtClean="0"/>
           </a:p>
         </p:txBody>
       </p:sp>
@@ -2678,6 +2644,7 @@
           <a:p>
             <a:fld id="{63A1C593-65D0-4073-BCC9-577B9352EA97}" type="datetimeFigureOut">
               <a:rPr lang="en-US" smtClean="0"/>
+              <a:t>6/26/2024</a:t>
             </a:fld>
             <a:endParaRPr lang="en-US"/>
           </a:p>
@@ -2719,6 +2686,7 @@
           <a:p>
             <a:fld id="{9B618960-8005-486C-9A75-10CB2AAC16F9}" type="slidenum">
               <a:rPr lang="en-US" smtClean="0"/>
+              <a:t>‹#›</a:t>
             </a:fld>
             <a:endParaRPr lang="en-US"/>
           </a:p>
@@ -2781,10 +2749,9 @@
           <a:lstStyle/>
           <a:p>
             <a:r>
-              <a:rPr lang="en-US" smtClean="0"/>
+              <a:rPr lang="en-US"/>
               <a:t>Click to edit Master title style</a:t>
             </a:r>
-            <a:endParaRPr lang="en-US"/>
           </a:p>
         </p:txBody>
       </p:sp>
@@ -2815,42 +2782,37 @@
           <a:p>
             <a:pPr lvl="0"/>
             <a:r>
-              <a:rPr lang="en-US" smtClean="0"/>
+              <a:rPr lang="en-US"/>
               <a:t>Click to edit Master text styles</a:t>
             </a:r>
-            <a:endParaRPr lang="en-US" smtClean="0"/>
           </a:p>
           <a:p>
             <a:pPr lvl="1"/>
             <a:r>
-              <a:rPr lang="en-US" smtClean="0"/>
+              <a:rPr lang="en-US"/>
               <a:t>Second level</a:t>
             </a:r>
-            <a:endParaRPr lang="en-US" smtClean="0"/>
           </a:p>
           <a:p>
             <a:pPr lvl="2"/>
             <a:r>
-              <a:rPr lang="en-US" smtClean="0"/>
+              <a:rPr lang="en-US"/>
               <a:t>Third level</a:t>
             </a:r>
-            <a:endParaRPr lang="en-US" smtClean="0"/>
           </a:p>
           <a:p>
             <a:pPr lvl="3"/>
             <a:r>
-              <a:rPr lang="en-US" smtClean="0"/>
+              <a:rPr lang="en-US"/>
               <a:t>Fourth level</a:t>
             </a:r>
-            <a:endParaRPr lang="en-US" smtClean="0"/>
           </a:p>
           <a:p>
             <a:pPr lvl="4"/>
             <a:r>
-              <a:rPr lang="en-US" smtClean="0"/>
+              <a:rPr lang="en-US"/>
               <a:t>Fifth level</a:t>
             </a:r>
-            <a:endParaRPr lang="en-US"/>
           </a:p>
         </p:txBody>
       </p:sp>
@@ -2889,6 +2851,7 @@
           <a:p>
             <a:fld id="{63A1C593-65D0-4073-BCC9-577B9352EA97}" type="datetimeFigureOut">
               <a:rPr lang="en-US" smtClean="0"/>
+              <a:t>6/26/2024</a:t>
             </a:fld>
             <a:endParaRPr lang="en-US"/>
           </a:p>
@@ -2966,6 +2929,7 @@
           <a:p>
             <a:fld id="{9B618960-8005-486C-9A75-10CB2AAC16F9}" type="slidenum">
               <a:rPr lang="en-US" smtClean="0"/>
+              <a:t>‹#›</a:t>
             </a:fld>
             <a:endParaRPr lang="en-US"/>
           </a:p>
@@ -3295,7 +3259,7 @@
           <p:nvPr/>
         </p:nvPicPr>
         <p:blipFill>
-          <a:blip r:embed="rId1" cstate="print"/>
+          <a:blip r:embed="rId2" cstate="print"/>
           <a:stretch>
             <a:fillRect/>
           </a:stretch>
@@ -3590,9 +3554,11 @@
         <p:spPr/>
         <p:txBody>
           <a:bodyPr/>
+          <a:lstStyle/>
           <a:p>
             <a:fld id="{9B618960-8005-486C-9A75-10CB2AAC16F9}" type="slidenum">
               <a:rPr lang="en-US" smtClean="0"/>
+              <a:t>1</a:t>
             </a:fld>
             <a:endParaRPr lang="en-US"/>
           </a:p>
@@ -3674,9 +3640,11 @@
         <p:spPr/>
         <p:txBody>
           <a:bodyPr/>
+          <a:lstStyle/>
           <a:p>
             <a:fld id="{9B618960-8005-486C-9A75-10CB2AAC16F9}" type="slidenum">
               <a:rPr lang="en-US" smtClean="0"/>
+              <a:t>2</a:t>
             </a:fld>
             <a:endParaRPr lang="en-US"/>
           </a:p>
@@ -3684,22 +3652,28 @@
       </p:sp>
       <p:pic>
         <p:nvPicPr>
-          <p:cNvPr id="5" name="Picture 4"/>
+          <p:cNvPr id="6" name="Picture 5">
+            <a:extLst>
+              <a:ext uri="{FF2B5EF4-FFF2-40B4-BE49-F238E27FC236}">
+                <a16:creationId xmlns:a16="http://schemas.microsoft.com/office/drawing/2014/main" id="{A0FDDE23-ADA5-4F5D-AEA2-783533EEDF14}"/>
+              </a:ext>
+            </a:extLst>
+          </p:cNvPr>
           <p:cNvPicPr>
             <a:picLocks noChangeAspect="1"/>
           </p:cNvPicPr>
           <p:nvPr/>
         </p:nvPicPr>
         <p:blipFill>
-          <a:blip r:embed="rId1"/>
+          <a:blip r:embed="rId2"/>
           <a:stretch>
             <a:fillRect/>
           </a:stretch>
         </p:blipFill>
         <p:spPr>
           <a:xfrm>
-            <a:off x="847725" y="647700"/>
-            <a:ext cx="10496550" cy="5562600"/>
+            <a:off x="0" y="196916"/>
+            <a:ext cx="12192000" cy="6464167"/>
           </a:xfrm>
           <a:prstGeom prst="rect">
             <a:avLst/>
@@ -3723,7 +3697,14 @@
         <p:cNvGrpSpPr/>
         <p:nvPr/>
       </p:nvGrpSpPr>
-      <p:grpSpPr/>
+      <p:grpSpPr>
+        <a:xfrm>
+          <a:off x="0" y="0"/>
+          <a:ext cx="0" cy="0"/>
+          <a:chOff x="0" y="0"/>
+          <a:chExt cx="0" cy="0"/>
+        </a:xfrm>
+      </p:grpSpPr>
       <p:sp>
         <p:nvSpPr>
           <p:cNvPr id="2" name="Title 1"/>
@@ -3737,6 +3718,7 @@
         <p:spPr/>
         <p:txBody>
           <a:bodyPr/>
+          <a:lstStyle/>
           <a:p>
             <a:endParaRPr lang="en-US"/>
           </a:p>
@@ -3755,34 +3737,65 @@
         <p:spPr/>
         <p:txBody>
           <a:bodyPr/>
+          <a:lstStyle/>
           <a:p>
             <a:fld id="{9B618960-8005-486C-9A75-10CB2AAC16F9}" type="slidenum">
               <a:rPr lang="en-US" smtClean="0"/>
+              <a:t>3</a:t>
             </a:fld>
+            <a:endParaRPr lang="en-US"/>
+          </a:p>
+        </p:txBody>
+      </p:sp>
+      <p:sp>
+        <p:nvSpPr>
+          <p:cNvPr id="3" name="Content Placeholder 2">
+            <a:extLst>
+              <a:ext uri="{FF2B5EF4-FFF2-40B4-BE49-F238E27FC236}">
+                <a16:creationId xmlns:a16="http://schemas.microsoft.com/office/drawing/2014/main" id="{A7D8D343-AA79-40F3-8555-F68D4AAB46C1}"/>
+              </a:ext>
+            </a:extLst>
+          </p:cNvPr>
+          <p:cNvSpPr>
+            <a:spLocks noGrp="1"/>
+          </p:cNvSpPr>
+          <p:nvPr>
+            <p:ph idx="1"/>
+          </p:nvPr>
+        </p:nvSpPr>
+        <p:spPr/>
+        <p:txBody>
+          <a:bodyPr/>
+          <a:lstStyle/>
+          <a:p>
             <a:endParaRPr lang="en-US"/>
           </a:p>
         </p:txBody>
       </p:sp>
       <p:pic>
         <p:nvPicPr>
-          <p:cNvPr id="5" name="Content Placeholder 4"/>
+          <p:cNvPr id="8" name="Picture 7">
+            <a:extLst>
+              <a:ext uri="{FF2B5EF4-FFF2-40B4-BE49-F238E27FC236}">
+                <a16:creationId xmlns:a16="http://schemas.microsoft.com/office/drawing/2014/main" id="{90175E47-470A-4D8F-8C12-79925BEC68FA}"/>
+              </a:ext>
+            </a:extLst>
+          </p:cNvPr>
           <p:cNvPicPr>
             <a:picLocks noChangeAspect="1"/>
           </p:cNvPicPr>
-          <p:nvPr>
-            <p:ph idx="1"/>
-          </p:nvPr>
+          <p:nvPr/>
         </p:nvPicPr>
         <p:blipFill>
-          <a:blip r:embed="rId1"/>
+          <a:blip r:embed="rId2"/>
           <a:stretch>
             <a:fillRect/>
           </a:stretch>
         </p:blipFill>
         <p:spPr>
           <a:xfrm>
-            <a:off x="937895" y="465455"/>
-            <a:ext cx="10939145" cy="5890260"/>
+            <a:off x="0" y="163042"/>
+            <a:ext cx="12192000" cy="6531915"/>
           </a:xfrm>
           <a:prstGeom prst="rect">
             <a:avLst/>
@@ -3806,25 +3819,14 @@
         <p:cNvGrpSpPr/>
         <p:nvPr/>
       </p:nvGrpSpPr>
-      <p:grpSpPr/>
-      <p:sp>
-        <p:nvSpPr>
-          <p:cNvPr id="2" name="Title 1"/>
-          <p:cNvSpPr>
-            <a:spLocks noGrp="1"/>
-          </p:cNvSpPr>
-          <p:nvPr>
-            <p:ph type="title"/>
-          </p:nvPr>
-        </p:nvSpPr>
-        <p:spPr/>
-        <p:txBody>
-          <a:bodyPr/>
-          <a:p>
-            <a:endParaRPr lang="en-US"/>
-          </a:p>
-        </p:txBody>
-      </p:sp>
+      <p:grpSpPr>
+        <a:xfrm>
+          <a:off x="0" y="0"/>
+          <a:ext cx="0" cy="0"/>
+          <a:chOff x="0" y="0"/>
+          <a:chExt cx="0" cy="0"/>
+        </a:xfrm>
+      </p:grpSpPr>
       <p:sp>
         <p:nvSpPr>
           <p:cNvPr id="4" name="Slide Number Placeholder 3"/>
@@ -3838,9 +3840,11 @@
         <p:spPr/>
         <p:txBody>
           <a:bodyPr/>
+          <a:lstStyle/>
           <a:p>
             <a:fld id="{9B618960-8005-486C-9A75-10CB2AAC16F9}" type="slidenum">
               <a:rPr lang="en-US" smtClean="0"/>
+              <a:t>4</a:t>
             </a:fld>
             <a:endParaRPr lang="en-US"/>
           </a:p>
@@ -3850,14 +3854,14 @@
         <p:nvPicPr>
           <p:cNvPr id="5" name="Content Placeholder 4"/>
           <p:cNvPicPr>
-            <a:picLocks noChangeAspect="1"/>
+            <a:picLocks noGrp="1" noChangeAspect="1"/>
           </p:cNvPicPr>
           <p:nvPr>
             <p:ph idx="1"/>
           </p:nvPr>
         </p:nvPicPr>
         <p:blipFill>
-          <a:blip r:embed="rId1"/>
+          <a:blip r:embed="rId2"/>
           <a:stretch>
             <a:fillRect/>
           </a:stretch>
@@ -3889,25 +3893,14 @@
         <p:cNvGrpSpPr/>
         <p:nvPr/>
       </p:nvGrpSpPr>
-      <p:grpSpPr/>
-      <p:sp>
-        <p:nvSpPr>
-          <p:cNvPr id="2" name="Title 1"/>
-          <p:cNvSpPr>
-            <a:spLocks noGrp="1"/>
-          </p:cNvSpPr>
-          <p:nvPr>
-            <p:ph type="title"/>
-          </p:nvPr>
-        </p:nvSpPr>
-        <p:spPr/>
-        <p:txBody>
-          <a:bodyPr/>
-          <a:p>
-            <a:endParaRPr lang="en-US"/>
-          </a:p>
-        </p:txBody>
-      </p:sp>
+      <p:grpSpPr>
+        <a:xfrm>
+          <a:off x="0" y="0"/>
+          <a:ext cx="0" cy="0"/>
+          <a:chOff x="0" y="0"/>
+          <a:chExt cx="0" cy="0"/>
+        </a:xfrm>
+      </p:grpSpPr>
       <p:sp>
         <p:nvSpPr>
           <p:cNvPr id="4" name="Slide Number Placeholder 3"/>
@@ -3921,9 +3914,11 @@
         <p:spPr/>
         <p:txBody>
           <a:bodyPr/>
+          <a:lstStyle/>
           <a:p>
             <a:fld id="{9B618960-8005-486C-9A75-10CB2AAC16F9}" type="slidenum">
               <a:rPr lang="en-US" smtClean="0"/>
+              <a:t>5</a:t>
             </a:fld>
             <a:endParaRPr lang="en-US"/>
           </a:p>
@@ -3933,14 +3928,14 @@
         <p:nvPicPr>
           <p:cNvPr id="5" name="Content Placeholder 4"/>
           <p:cNvPicPr>
-            <a:picLocks noChangeAspect="1"/>
+            <a:picLocks noGrp="1" noChangeAspect="1"/>
           </p:cNvPicPr>
           <p:nvPr>
             <p:ph idx="1"/>
           </p:nvPr>
         </p:nvPicPr>
         <p:blipFill>
-          <a:blip r:embed="rId1"/>
+          <a:blip r:embed="rId2"/>
           <a:stretch>
             <a:fillRect/>
           </a:stretch>
@@ -3972,25 +3967,14 @@
         <p:cNvGrpSpPr/>
         <p:nvPr/>
       </p:nvGrpSpPr>
-      <p:grpSpPr/>
-      <p:sp>
-        <p:nvSpPr>
-          <p:cNvPr id="2" name="Title 1"/>
-          <p:cNvSpPr>
-            <a:spLocks noGrp="1"/>
-          </p:cNvSpPr>
-          <p:nvPr>
-            <p:ph type="title"/>
-          </p:nvPr>
-        </p:nvSpPr>
-        <p:spPr/>
-        <p:txBody>
-          <a:bodyPr/>
-          <a:p>
-            <a:endParaRPr lang="en-US"/>
-          </a:p>
-        </p:txBody>
-      </p:sp>
+      <p:grpSpPr>
+        <a:xfrm>
+          <a:off x="0" y="0"/>
+          <a:ext cx="0" cy="0"/>
+          <a:chOff x="0" y="0"/>
+          <a:chExt cx="0" cy="0"/>
+        </a:xfrm>
+      </p:grpSpPr>
       <p:sp>
         <p:nvSpPr>
           <p:cNvPr id="4" name="Slide Number Placeholder 3"/>
@@ -4004,9 +3988,11 @@
         <p:spPr/>
         <p:txBody>
           <a:bodyPr/>
+          <a:lstStyle/>
           <a:p>
             <a:fld id="{9B618960-8005-486C-9A75-10CB2AAC16F9}" type="slidenum">
               <a:rPr lang="en-US" smtClean="0"/>
+              <a:t>6</a:t>
             </a:fld>
             <a:endParaRPr lang="en-US"/>
           </a:p>
@@ -4016,14 +4002,14 @@
         <p:nvPicPr>
           <p:cNvPr id="5" name="Content Placeholder 4"/>
           <p:cNvPicPr>
-            <a:picLocks noChangeAspect="1"/>
+            <a:picLocks noGrp="1" noChangeAspect="1"/>
           </p:cNvPicPr>
           <p:nvPr>
             <p:ph idx="1"/>
           </p:nvPr>
         </p:nvPicPr>
         <p:blipFill>
-          <a:blip r:embed="rId1"/>
+          <a:blip r:embed="rId2"/>
           <a:stretch>
             <a:fillRect/>
           </a:stretch>
@@ -4032,6 +4018,36 @@
           <a:xfrm>
             <a:off x="330200" y="658495"/>
             <a:ext cx="11514455" cy="5726430"/>
+          </a:xfrm>
+          <a:prstGeom prst="rect">
+            <a:avLst/>
+          </a:prstGeom>
+        </p:spPr>
+      </p:pic>
+      <p:pic>
+        <p:nvPicPr>
+          <p:cNvPr id="2" name="Picture 1">
+            <a:extLst>
+              <a:ext uri="{FF2B5EF4-FFF2-40B4-BE49-F238E27FC236}">
+                <a16:creationId xmlns:a16="http://schemas.microsoft.com/office/drawing/2014/main" id="{BC5725B8-38BC-47ED-B7CF-DDCEE2C9B703}"/>
+              </a:ext>
+            </a:extLst>
+          </p:cNvPr>
+          <p:cNvPicPr>
+            <a:picLocks noChangeAspect="1"/>
+          </p:cNvPicPr>
+          <p:nvPr/>
+        </p:nvPicPr>
+        <p:blipFill>
+          <a:blip r:embed="rId3"/>
+          <a:stretch>
+            <a:fillRect/>
+          </a:stretch>
+        </p:blipFill>
+        <p:spPr>
+          <a:xfrm>
+            <a:off x="4976544" y="4876781"/>
+            <a:ext cx="4892464" cy="457240"/>
           </a:xfrm>
           <a:prstGeom prst="rect">
             <a:avLst/>
@@ -4297,6 +4313,8 @@
       </a:bgFillStyleLst>
     </a:fmtScheme>
   </a:themeElements>
+  <a:objectDefaults/>
+  <a:extraClrSchemeLst/>
   <a:extLst>
     <a:ext uri="{05A4C25C-085E-4340-85A3-A5531E510DB2}">
       <thm15:themeFamily xmlns:thm15="http://schemas.microsoft.com/office/thememl/2012/main" name="Office Theme" id="{62F939B6-93AF-4DB8-9C6B-D6C7DFDC589F}" vid="{4A3C46E8-61CC-4603-A589-7422A47A8E4A}"/>
@@ -4556,6 +4574,8 @@
       </a:bgFillStyleLst>
     </a:fmtScheme>
   </a:themeElements>
+  <a:objectDefaults/>
+  <a:extraClrSchemeLst/>
   <a:extLst>
     <a:ext uri="{05A4C25C-085E-4340-85A3-A5531E510DB2}">
       <thm15:themeFamily xmlns:thm15="http://schemas.microsoft.com/office/thememl/2012/main" name="Office Theme" id="{62F939B6-93AF-4DB8-9C6B-D6C7DFDC589F}" vid="{4A3C46E8-61CC-4603-A589-7422A47A8E4A}"/>
